--- a/output.pptx
+++ b/output.pptx
@@ -3180,7 +3180,7 @@
             <a:spLocks noGrp="1"/>
           </p:cNvSpPr>
           <p:nvPr>
-            <p:ph idx="1"/>
+            <p:ph idx="1" sz="half"/>
           </p:nvPr>
         </p:nvSpPr>
         <p:spPr/>
@@ -3196,6 +3196,47 @@
           </a:p>
         </p:txBody>
       </p:sp>
+      <p:sp>
+        <p:nvSpPr>
+          <p:cNvPr id="4" name="Content Placeholder 3"/>
+          <p:cNvSpPr>
+            <a:spLocks noGrp="1"/>
+          </p:cNvSpPr>
+          <p:nvPr>
+            <p:ph idx="2" sz="half"/>
+          </p:nvPr>
+        </p:nvSpPr>
+        <p:spPr/>
+        <p:txBody>
+          <a:bodyPr/>
+          <a:lstStyle/>
+          <a:p/>
+        </p:txBody>
+      </p:sp>
+      <p:pic>
+        <p:nvPicPr>
+          <p:cNvPr id="5" name="Picture 4" descr="img.png"/>
+          <p:cNvPicPr>
+            <a:picLocks noChangeAspect="1"/>
+          </p:cNvPicPr>
+          <p:nvPr/>
+        </p:nvPicPr>
+        <p:blipFill>
+          <a:blip r:embed="rId2"/>
+          <a:stretch>
+            <a:fillRect/>
+          </a:stretch>
+        </p:blipFill>
+        <p:spPr>
+          <a:xfrm>
+            <a:off x="5029200" y="1828800"/>
+            <a:ext cx="3251200" cy="3251200"/>
+          </a:xfrm>
+          <a:prstGeom prst="rect">
+            <a:avLst/>
+          </a:prstGeom>
+        </p:spPr>
+      </p:pic>
     </p:spTree>
   </p:cSld>
   <p:clrMapOvr>
@@ -3242,7 +3283,7 @@
             <a:spLocks noGrp="1"/>
           </p:cNvSpPr>
           <p:nvPr>
-            <p:ph idx="1"/>
+            <p:ph idx="1" sz="half"/>
           </p:nvPr>
         </p:nvSpPr>
         <p:spPr/>
@@ -3276,6 +3317,47 @@
           </a:p>
         </p:txBody>
       </p:sp>
+      <p:sp>
+        <p:nvSpPr>
+          <p:cNvPr id="4" name="Content Placeholder 3"/>
+          <p:cNvSpPr>
+            <a:spLocks noGrp="1"/>
+          </p:cNvSpPr>
+          <p:nvPr>
+            <p:ph idx="2" sz="half"/>
+          </p:nvPr>
+        </p:nvSpPr>
+        <p:spPr/>
+        <p:txBody>
+          <a:bodyPr/>
+          <a:lstStyle/>
+          <a:p/>
+        </p:txBody>
+      </p:sp>
+      <p:pic>
+        <p:nvPicPr>
+          <p:cNvPr id="5" name="Picture 4" descr="img.png"/>
+          <p:cNvPicPr>
+            <a:picLocks noChangeAspect="1"/>
+          </p:cNvPicPr>
+          <p:nvPr/>
+        </p:nvPicPr>
+        <p:blipFill>
+          <a:blip r:embed="rId2"/>
+          <a:stretch>
+            <a:fillRect/>
+          </a:stretch>
+        </p:blipFill>
+        <p:spPr>
+          <a:xfrm>
+            <a:off x="5029200" y="1828800"/>
+            <a:ext cx="3251200" cy="3251200"/>
+          </a:xfrm>
+          <a:prstGeom prst="rect">
+            <a:avLst/>
+          </a:prstGeom>
+        </p:spPr>
+      </p:pic>
     </p:spTree>
   </p:cSld>
   <p:clrMapOvr>
@@ -3322,7 +3404,7 @@
             <a:spLocks noGrp="1"/>
           </p:cNvSpPr>
           <p:nvPr>
-            <p:ph idx="1"/>
+            <p:ph idx="1" sz="half"/>
           </p:nvPr>
         </p:nvSpPr>
         <p:spPr/>
@@ -3356,6 +3438,47 @@
           </a:p>
         </p:txBody>
       </p:sp>
+      <p:sp>
+        <p:nvSpPr>
+          <p:cNvPr id="4" name="Content Placeholder 3"/>
+          <p:cNvSpPr>
+            <a:spLocks noGrp="1"/>
+          </p:cNvSpPr>
+          <p:nvPr>
+            <p:ph idx="2" sz="half"/>
+          </p:nvPr>
+        </p:nvSpPr>
+        <p:spPr/>
+        <p:txBody>
+          <a:bodyPr/>
+          <a:lstStyle/>
+          <a:p/>
+        </p:txBody>
+      </p:sp>
+      <p:pic>
+        <p:nvPicPr>
+          <p:cNvPr id="5" name="Picture 4" descr="img.png"/>
+          <p:cNvPicPr>
+            <a:picLocks noChangeAspect="1"/>
+          </p:cNvPicPr>
+          <p:nvPr/>
+        </p:nvPicPr>
+        <p:blipFill>
+          <a:blip r:embed="rId2"/>
+          <a:stretch>
+            <a:fillRect/>
+          </a:stretch>
+        </p:blipFill>
+        <p:spPr>
+          <a:xfrm>
+            <a:off x="5029200" y="1828800"/>
+            <a:ext cx="3251200" cy="3251200"/>
+          </a:xfrm>
+          <a:prstGeom prst="rect">
+            <a:avLst/>
+          </a:prstGeom>
+        </p:spPr>
+      </p:pic>
     </p:spTree>
   </p:cSld>
   <p:clrMapOvr>
@@ -3402,7 +3525,7 @@
             <a:spLocks noGrp="1"/>
           </p:cNvSpPr>
           <p:nvPr>
-            <p:ph idx="1"/>
+            <p:ph idx="1" sz="half"/>
           </p:nvPr>
         </p:nvSpPr>
         <p:spPr/>
@@ -3418,6 +3541,47 @@
           </a:p>
         </p:txBody>
       </p:sp>
+      <p:sp>
+        <p:nvSpPr>
+          <p:cNvPr id="4" name="Content Placeholder 3"/>
+          <p:cNvSpPr>
+            <a:spLocks noGrp="1"/>
+          </p:cNvSpPr>
+          <p:nvPr>
+            <p:ph idx="2" sz="half"/>
+          </p:nvPr>
+        </p:nvSpPr>
+        <p:spPr/>
+        <p:txBody>
+          <a:bodyPr/>
+          <a:lstStyle/>
+          <a:p/>
+        </p:txBody>
+      </p:sp>
+      <p:pic>
+        <p:nvPicPr>
+          <p:cNvPr id="5" name="Picture 4" descr="img.png"/>
+          <p:cNvPicPr>
+            <a:picLocks noChangeAspect="1"/>
+          </p:cNvPicPr>
+          <p:nvPr/>
+        </p:nvPicPr>
+        <p:blipFill>
+          <a:blip r:embed="rId2"/>
+          <a:stretch>
+            <a:fillRect/>
+          </a:stretch>
+        </p:blipFill>
+        <p:spPr>
+          <a:xfrm>
+            <a:off x="5029200" y="1828800"/>
+            <a:ext cx="3251200" cy="3251200"/>
+          </a:xfrm>
+          <a:prstGeom prst="rect">
+            <a:avLst/>
+          </a:prstGeom>
+        </p:spPr>
+      </p:pic>
     </p:spTree>
   </p:cSld>
   <p:clrMapOvr>
